--- a/java/架构演进.pptx
+++ b/java/架构演进.pptx
@@ -5,7 +5,7 @@
     <p:sldMasterId id="2147483648" r:id="rId1"/>
   </p:sldMasterIdLst>
   <p:notesMasterIdLst>
-    <p:notesMasterId r:id="rId9"/>
+    <p:notesMasterId r:id="rId15"/>
   </p:notesMasterIdLst>
   <p:sldIdLst>
     <p:sldId id="256" r:id="rId2"/>
@@ -15,6 +15,12 @@
     <p:sldId id="261" r:id="rId6"/>
     <p:sldId id="260" r:id="rId7"/>
     <p:sldId id="262" r:id="rId8"/>
+    <p:sldId id="263" r:id="rId9"/>
+    <p:sldId id="264" r:id="rId10"/>
+    <p:sldId id="265" r:id="rId11"/>
+    <p:sldId id="266" r:id="rId12"/>
+    <p:sldId id="267" r:id="rId13"/>
+    <p:sldId id="268" r:id="rId14"/>
   </p:sldIdLst>
   <p:sldSz cx="12192000" cy="6858000"/>
   <p:notesSz cx="6858000" cy="9144000"/>
@@ -113,6 +119,11 @@
       </a:defRPr>
     </a:lvl9pPr>
   </p:defaultTextStyle>
+  <p:extLst>
+    <p:ext uri="{EFAFB233-063F-42B5-8137-9DF3F51BA10A}">
+      <p15:sldGuideLst xmlns:p15="http://schemas.microsoft.com/office/powerpoint/2012/main"/>
+    </p:ext>
+  </p:extLst>
 </p:presentation>
 </file>
 
@@ -198,7 +209,7 @@
           <a:p>
             <a:fld id="{4ADE3EF2-5FA5-41A5-BBDA-4CB6C229DB7D}" type="datetimeFigureOut">
               <a:rPr lang="zh-CN" altLang="en-US" smtClean="0"/>
-              <a:t>2020/8/20</a:t>
+              <a:t>2020/9/3</a:t>
             </a:fld>
             <a:endParaRPr lang="zh-CN" altLang="en-US"/>
           </a:p>
@@ -696,7 +707,7 @@
           <a:p>
             <a:fld id="{9909D28B-E5B5-4363-8D47-04D6FEE20505}" type="datetimeFigureOut">
               <a:rPr lang="zh-CN" altLang="en-US" smtClean="0"/>
-              <a:t>2020/8/20</a:t>
+              <a:t>2020/9/3</a:t>
             </a:fld>
             <a:endParaRPr lang="zh-CN" altLang="en-US"/>
           </a:p>
@@ -894,7 +905,7 @@
           <a:p>
             <a:fld id="{9909D28B-E5B5-4363-8D47-04D6FEE20505}" type="datetimeFigureOut">
               <a:rPr lang="zh-CN" altLang="en-US" smtClean="0"/>
-              <a:t>2020/8/20</a:t>
+              <a:t>2020/9/3</a:t>
             </a:fld>
             <a:endParaRPr lang="zh-CN" altLang="en-US"/>
           </a:p>
@@ -1102,7 +1113,7 @@
           <a:p>
             <a:fld id="{9909D28B-E5B5-4363-8D47-04D6FEE20505}" type="datetimeFigureOut">
               <a:rPr lang="zh-CN" altLang="en-US" smtClean="0"/>
-              <a:t>2020/8/20</a:t>
+              <a:t>2020/9/3</a:t>
             </a:fld>
             <a:endParaRPr lang="zh-CN" altLang="en-US"/>
           </a:p>
@@ -1300,7 +1311,7 @@
           <a:p>
             <a:fld id="{9909D28B-E5B5-4363-8D47-04D6FEE20505}" type="datetimeFigureOut">
               <a:rPr lang="zh-CN" altLang="en-US" smtClean="0"/>
-              <a:t>2020/8/20</a:t>
+              <a:t>2020/9/3</a:t>
             </a:fld>
             <a:endParaRPr lang="zh-CN" altLang="en-US"/>
           </a:p>
@@ -1575,7 +1586,7 @@
           <a:p>
             <a:fld id="{9909D28B-E5B5-4363-8D47-04D6FEE20505}" type="datetimeFigureOut">
               <a:rPr lang="zh-CN" altLang="en-US" smtClean="0"/>
-              <a:t>2020/8/20</a:t>
+              <a:t>2020/9/3</a:t>
             </a:fld>
             <a:endParaRPr lang="zh-CN" altLang="en-US"/>
           </a:p>
@@ -1840,7 +1851,7 @@
           <a:p>
             <a:fld id="{9909D28B-E5B5-4363-8D47-04D6FEE20505}" type="datetimeFigureOut">
               <a:rPr lang="zh-CN" altLang="en-US" smtClean="0"/>
-              <a:t>2020/8/20</a:t>
+              <a:t>2020/9/3</a:t>
             </a:fld>
             <a:endParaRPr lang="zh-CN" altLang="en-US"/>
           </a:p>
@@ -2252,7 +2263,7 @@
           <a:p>
             <a:fld id="{9909D28B-E5B5-4363-8D47-04D6FEE20505}" type="datetimeFigureOut">
               <a:rPr lang="zh-CN" altLang="en-US" smtClean="0"/>
-              <a:t>2020/8/20</a:t>
+              <a:t>2020/9/3</a:t>
             </a:fld>
             <a:endParaRPr lang="zh-CN" altLang="en-US"/>
           </a:p>
@@ -2393,7 +2404,7 @@
           <a:p>
             <a:fld id="{9909D28B-E5B5-4363-8D47-04D6FEE20505}" type="datetimeFigureOut">
               <a:rPr lang="zh-CN" altLang="en-US" smtClean="0"/>
-              <a:t>2020/8/20</a:t>
+              <a:t>2020/9/3</a:t>
             </a:fld>
             <a:endParaRPr lang="zh-CN" altLang="en-US"/>
           </a:p>
@@ -2506,7 +2517,7 @@
           <a:p>
             <a:fld id="{9909D28B-E5B5-4363-8D47-04D6FEE20505}" type="datetimeFigureOut">
               <a:rPr lang="zh-CN" altLang="en-US" smtClean="0"/>
-              <a:t>2020/8/20</a:t>
+              <a:t>2020/9/3</a:t>
             </a:fld>
             <a:endParaRPr lang="zh-CN" altLang="en-US"/>
           </a:p>
@@ -2817,7 +2828,7 @@
           <a:p>
             <a:fld id="{9909D28B-E5B5-4363-8D47-04D6FEE20505}" type="datetimeFigureOut">
               <a:rPr lang="zh-CN" altLang="en-US" smtClean="0"/>
-              <a:t>2020/8/20</a:t>
+              <a:t>2020/9/3</a:t>
             </a:fld>
             <a:endParaRPr lang="zh-CN" altLang="en-US"/>
           </a:p>
@@ -3105,7 +3116,7 @@
           <a:p>
             <a:fld id="{9909D28B-E5B5-4363-8D47-04D6FEE20505}" type="datetimeFigureOut">
               <a:rPr lang="zh-CN" altLang="en-US" smtClean="0"/>
-              <a:t>2020/8/20</a:t>
+              <a:t>2020/9/3</a:t>
             </a:fld>
             <a:endParaRPr lang="zh-CN" altLang="en-US"/>
           </a:p>
@@ -3346,7 +3357,7 @@
           <a:p>
             <a:fld id="{9909D28B-E5B5-4363-8D47-04D6FEE20505}" type="datetimeFigureOut">
               <a:rPr lang="zh-CN" altLang="en-US" smtClean="0"/>
-              <a:t>2020/8/20</a:t>
+              <a:t>2020/9/3</a:t>
             </a:fld>
             <a:endParaRPr lang="zh-CN" altLang="en-US"/>
           </a:p>
@@ -3826,6 +3837,372 @@
 </p:sld>
 </file>
 
+<file path=ppt/slides/slide10.xml><?xml version="1.0" encoding="utf-8"?>
+<p:sld xmlns:a="http://schemas.openxmlformats.org/drawingml/2006/main" xmlns:r="http://schemas.openxmlformats.org/officeDocument/2006/relationships" xmlns:p="http://schemas.openxmlformats.org/presentationml/2006/main">
+  <p:cSld>
+    <p:spTree>
+      <p:nvGrpSpPr>
+        <p:cNvPr id="1" name=""/>
+        <p:cNvGrpSpPr/>
+        <p:nvPr/>
+      </p:nvGrpSpPr>
+      <p:grpSpPr>
+        <a:xfrm>
+          <a:off x="0" y="0"/>
+          <a:ext cx="0" cy="0"/>
+          <a:chOff x="0" y="0"/>
+          <a:chExt cx="0" cy="0"/>
+        </a:xfrm>
+      </p:grpSpPr>
+      <p:sp>
+        <p:nvSpPr>
+          <p:cNvPr id="2" name="标题 1">
+            <a:extLst>
+              <a:ext uri="{FF2B5EF4-FFF2-40B4-BE49-F238E27FC236}">
+                <a16:creationId xmlns:a16="http://schemas.microsoft.com/office/drawing/2014/main" id="{9E0BFCDA-4CD2-4D68-898F-E3A27E8B224B}"/>
+              </a:ext>
+            </a:extLst>
+          </p:cNvPr>
+          <p:cNvSpPr>
+            <a:spLocks noGrp="1"/>
+          </p:cNvSpPr>
+          <p:nvPr>
+            <p:ph type="title"/>
+          </p:nvPr>
+        </p:nvSpPr>
+        <p:spPr/>
+        <p:txBody>
+          <a:bodyPr/>
+          <a:lstStyle/>
+          <a:p>
+            <a:endParaRPr lang="zh-CN" altLang="en-US"/>
+          </a:p>
+        </p:txBody>
+      </p:sp>
+      <p:sp>
+        <p:nvSpPr>
+          <p:cNvPr id="3" name="内容占位符 2">
+            <a:extLst>
+              <a:ext uri="{FF2B5EF4-FFF2-40B4-BE49-F238E27FC236}">
+                <a16:creationId xmlns:a16="http://schemas.microsoft.com/office/drawing/2014/main" id="{B41C63BE-634B-4086-B48A-9E04732003EC}"/>
+              </a:ext>
+            </a:extLst>
+          </p:cNvPr>
+          <p:cNvSpPr>
+            <a:spLocks noGrp="1"/>
+          </p:cNvSpPr>
+          <p:nvPr>
+            <p:ph idx="1"/>
+          </p:nvPr>
+        </p:nvSpPr>
+        <p:spPr/>
+        <p:txBody>
+          <a:bodyPr/>
+          <a:lstStyle/>
+          <a:p>
+            <a:endParaRPr lang="zh-CN" altLang="en-US" dirty="0"/>
+          </a:p>
+        </p:txBody>
+      </p:sp>
+      <p:pic>
+        <p:nvPicPr>
+          <p:cNvPr id="5" name="图片 4">
+            <a:extLst>
+              <a:ext uri="{FF2B5EF4-FFF2-40B4-BE49-F238E27FC236}">
+                <a16:creationId xmlns:a16="http://schemas.microsoft.com/office/drawing/2014/main" id="{96EE7331-DDAC-4567-9474-18B8C8B0BEA8}"/>
+              </a:ext>
+            </a:extLst>
+          </p:cNvPr>
+          <p:cNvPicPr>
+            <a:picLocks noChangeAspect="1"/>
+          </p:cNvPicPr>
+          <p:nvPr/>
+        </p:nvPicPr>
+        <p:blipFill>
+          <a:blip r:embed="rId2"/>
+          <a:stretch>
+            <a:fillRect/>
+          </a:stretch>
+        </p:blipFill>
+        <p:spPr>
+          <a:xfrm>
+            <a:off x="4294672" y="2024998"/>
+            <a:ext cx="3886742" cy="3820058"/>
+          </a:xfrm>
+          <a:prstGeom prst="rect">
+            <a:avLst/>
+          </a:prstGeom>
+        </p:spPr>
+      </p:pic>
+    </p:spTree>
+    <p:extLst>
+      <p:ext uri="{BB962C8B-B14F-4D97-AF65-F5344CB8AC3E}">
+        <p14:creationId xmlns:p14="http://schemas.microsoft.com/office/powerpoint/2010/main" val="3853443594"/>
+      </p:ext>
+    </p:extLst>
+  </p:cSld>
+  <p:clrMapOvr>
+    <a:masterClrMapping/>
+  </p:clrMapOvr>
+</p:sld>
+</file>
+
+<file path=ppt/slides/slide11.xml><?xml version="1.0" encoding="utf-8"?>
+<p:sld xmlns:a="http://schemas.openxmlformats.org/drawingml/2006/main" xmlns:r="http://schemas.openxmlformats.org/officeDocument/2006/relationships" xmlns:p="http://schemas.openxmlformats.org/presentationml/2006/main">
+  <p:cSld>
+    <p:spTree>
+      <p:nvGrpSpPr>
+        <p:cNvPr id="1" name=""/>
+        <p:cNvGrpSpPr/>
+        <p:nvPr/>
+      </p:nvGrpSpPr>
+      <p:grpSpPr>
+        <a:xfrm>
+          <a:off x="0" y="0"/>
+          <a:ext cx="0" cy="0"/>
+          <a:chOff x="0" y="0"/>
+          <a:chExt cx="0" cy="0"/>
+        </a:xfrm>
+      </p:grpSpPr>
+      <p:sp>
+        <p:nvSpPr>
+          <p:cNvPr id="2" name="标题 1">
+            <a:extLst>
+              <a:ext uri="{FF2B5EF4-FFF2-40B4-BE49-F238E27FC236}">
+                <a16:creationId xmlns:a16="http://schemas.microsoft.com/office/drawing/2014/main" id="{DBC1251E-929E-41F6-8C4C-72BD56B826D3}"/>
+              </a:ext>
+            </a:extLst>
+          </p:cNvPr>
+          <p:cNvSpPr>
+            <a:spLocks noGrp="1"/>
+          </p:cNvSpPr>
+          <p:nvPr>
+            <p:ph type="title"/>
+          </p:nvPr>
+        </p:nvSpPr>
+        <p:spPr/>
+        <p:txBody>
+          <a:bodyPr/>
+          <a:lstStyle/>
+          <a:p>
+            <a:endParaRPr lang="zh-CN" altLang="en-US"/>
+          </a:p>
+        </p:txBody>
+      </p:sp>
+      <p:pic>
+        <p:nvPicPr>
+          <p:cNvPr id="5" name="内容占位符 4">
+            <a:extLst>
+              <a:ext uri="{FF2B5EF4-FFF2-40B4-BE49-F238E27FC236}">
+                <a16:creationId xmlns:a16="http://schemas.microsoft.com/office/drawing/2014/main" id="{04466FF3-0A15-464E-8242-3F53F4E262F9}"/>
+              </a:ext>
+            </a:extLst>
+          </p:cNvPr>
+          <p:cNvPicPr>
+            <a:picLocks noGrp="1" noChangeAspect="1"/>
+          </p:cNvPicPr>
+          <p:nvPr>
+            <p:ph idx="1"/>
+          </p:nvPr>
+        </p:nvPicPr>
+        <p:blipFill>
+          <a:blip r:embed="rId2"/>
+          <a:stretch>
+            <a:fillRect/>
+          </a:stretch>
+        </p:blipFill>
+        <p:spPr>
+          <a:xfrm>
+            <a:off x="838200" y="2455416"/>
+            <a:ext cx="10515600" cy="3091755"/>
+          </a:xfrm>
+        </p:spPr>
+      </p:pic>
+    </p:spTree>
+    <p:extLst>
+      <p:ext uri="{BB962C8B-B14F-4D97-AF65-F5344CB8AC3E}">
+        <p14:creationId xmlns:p14="http://schemas.microsoft.com/office/powerpoint/2010/main" val="296974538"/>
+      </p:ext>
+    </p:extLst>
+  </p:cSld>
+  <p:clrMapOvr>
+    <a:masterClrMapping/>
+  </p:clrMapOvr>
+</p:sld>
+</file>
+
+<file path=ppt/slides/slide12.xml><?xml version="1.0" encoding="utf-8"?>
+<p:sld xmlns:a="http://schemas.openxmlformats.org/drawingml/2006/main" xmlns:r="http://schemas.openxmlformats.org/officeDocument/2006/relationships" xmlns:p="http://schemas.openxmlformats.org/presentationml/2006/main">
+  <p:cSld>
+    <p:spTree>
+      <p:nvGrpSpPr>
+        <p:cNvPr id="1" name=""/>
+        <p:cNvGrpSpPr/>
+        <p:nvPr/>
+      </p:nvGrpSpPr>
+      <p:grpSpPr>
+        <a:xfrm>
+          <a:off x="0" y="0"/>
+          <a:ext cx="0" cy="0"/>
+          <a:chOff x="0" y="0"/>
+          <a:chExt cx="0" cy="0"/>
+        </a:xfrm>
+      </p:grpSpPr>
+      <p:sp>
+        <p:nvSpPr>
+          <p:cNvPr id="2" name="标题 1">
+            <a:extLst>
+              <a:ext uri="{FF2B5EF4-FFF2-40B4-BE49-F238E27FC236}">
+                <a16:creationId xmlns:a16="http://schemas.microsoft.com/office/drawing/2014/main" id="{CB3DF2E4-882B-4FB5-84F9-F5185DDBA0A6}"/>
+              </a:ext>
+            </a:extLst>
+          </p:cNvPr>
+          <p:cNvSpPr>
+            <a:spLocks noGrp="1"/>
+          </p:cNvSpPr>
+          <p:nvPr>
+            <p:ph type="title"/>
+          </p:nvPr>
+        </p:nvSpPr>
+        <p:spPr/>
+        <p:txBody>
+          <a:bodyPr/>
+          <a:lstStyle/>
+          <a:p>
+            <a:endParaRPr lang="zh-CN" altLang="en-US"/>
+          </a:p>
+        </p:txBody>
+      </p:sp>
+      <p:pic>
+        <p:nvPicPr>
+          <p:cNvPr id="5" name="内容占位符 4">
+            <a:extLst>
+              <a:ext uri="{FF2B5EF4-FFF2-40B4-BE49-F238E27FC236}">
+                <a16:creationId xmlns:a16="http://schemas.microsoft.com/office/drawing/2014/main" id="{067ED377-1218-46D7-A678-3253D8AE09E3}"/>
+              </a:ext>
+            </a:extLst>
+          </p:cNvPr>
+          <p:cNvPicPr>
+            <a:picLocks noGrp="1" noChangeAspect="1"/>
+          </p:cNvPicPr>
+          <p:nvPr>
+            <p:ph idx="1"/>
+          </p:nvPr>
+        </p:nvPicPr>
+        <p:blipFill>
+          <a:blip r:embed="rId2"/>
+          <a:stretch>
+            <a:fillRect/>
+          </a:stretch>
+        </p:blipFill>
+        <p:spPr>
+          <a:xfrm>
+            <a:off x="4071994" y="1825625"/>
+            <a:ext cx="4708022" cy="5060804"/>
+          </a:xfrm>
+        </p:spPr>
+      </p:pic>
+    </p:spTree>
+    <p:extLst>
+      <p:ext uri="{BB962C8B-B14F-4D97-AF65-F5344CB8AC3E}">
+        <p14:creationId xmlns:p14="http://schemas.microsoft.com/office/powerpoint/2010/main" val="2224610667"/>
+      </p:ext>
+    </p:extLst>
+  </p:cSld>
+  <p:clrMapOvr>
+    <a:masterClrMapping/>
+  </p:clrMapOvr>
+</p:sld>
+</file>
+
+<file path=ppt/slides/slide13.xml><?xml version="1.0" encoding="utf-8"?>
+<p:sld xmlns:a="http://schemas.openxmlformats.org/drawingml/2006/main" xmlns:r="http://schemas.openxmlformats.org/officeDocument/2006/relationships" xmlns:p="http://schemas.openxmlformats.org/presentationml/2006/main">
+  <p:cSld>
+    <p:spTree>
+      <p:nvGrpSpPr>
+        <p:cNvPr id="1" name=""/>
+        <p:cNvGrpSpPr/>
+        <p:nvPr/>
+      </p:nvGrpSpPr>
+      <p:grpSpPr>
+        <a:xfrm>
+          <a:off x="0" y="0"/>
+          <a:ext cx="0" cy="0"/>
+          <a:chOff x="0" y="0"/>
+          <a:chExt cx="0" cy="0"/>
+        </a:xfrm>
+      </p:grpSpPr>
+      <p:sp>
+        <p:nvSpPr>
+          <p:cNvPr id="2" name="标题 1">
+            <a:extLst>
+              <a:ext uri="{FF2B5EF4-FFF2-40B4-BE49-F238E27FC236}">
+                <a16:creationId xmlns:a16="http://schemas.microsoft.com/office/drawing/2014/main" id="{3EAFE9B6-0770-4339-9A27-93CD5D0F2C4C}"/>
+              </a:ext>
+            </a:extLst>
+          </p:cNvPr>
+          <p:cNvSpPr>
+            <a:spLocks noGrp="1"/>
+          </p:cNvSpPr>
+          <p:nvPr>
+            <p:ph type="title"/>
+          </p:nvPr>
+        </p:nvSpPr>
+        <p:spPr/>
+        <p:txBody>
+          <a:bodyPr/>
+          <a:lstStyle/>
+          <a:p>
+            <a:r>
+              <a:rPr lang="en-US" altLang="zh-CN" dirty="0"/>
+              <a:t>End</a:t>
+            </a:r>
+            <a:endParaRPr lang="zh-CN" altLang="en-US" dirty="0"/>
+          </a:p>
+        </p:txBody>
+      </p:sp>
+      <p:sp>
+        <p:nvSpPr>
+          <p:cNvPr id="3" name="内容占位符 2">
+            <a:extLst>
+              <a:ext uri="{FF2B5EF4-FFF2-40B4-BE49-F238E27FC236}">
+                <a16:creationId xmlns:a16="http://schemas.microsoft.com/office/drawing/2014/main" id="{A5A4BDCB-2847-4917-A9B4-8618E8BC5A6F}"/>
+              </a:ext>
+            </a:extLst>
+          </p:cNvPr>
+          <p:cNvSpPr>
+            <a:spLocks noGrp="1"/>
+          </p:cNvSpPr>
+          <p:nvPr>
+            <p:ph idx="1"/>
+          </p:nvPr>
+        </p:nvSpPr>
+        <p:spPr/>
+        <p:txBody>
+          <a:bodyPr/>
+          <a:lstStyle/>
+          <a:p>
+            <a:r>
+              <a:rPr lang="en-US" altLang="zh-CN" dirty="0"/>
+              <a:t>No Silver Bullet</a:t>
+            </a:r>
+            <a:endParaRPr lang="zh-CN" altLang="en-US" dirty="0"/>
+          </a:p>
+        </p:txBody>
+      </p:sp>
+    </p:spTree>
+    <p:extLst>
+      <p:ext uri="{BB962C8B-B14F-4D97-AF65-F5344CB8AC3E}">
+        <p14:creationId xmlns:p14="http://schemas.microsoft.com/office/powerpoint/2010/main" val="2821477310"/>
+      </p:ext>
+    </p:extLst>
+  </p:cSld>
+  <p:clrMapOvr>
+    <a:masterClrMapping/>
+  </p:clrMapOvr>
+</p:sld>
+</file>
+
 <file path=ppt/slides/slide2.xml><?xml version="1.0" encoding="utf-8"?>
 <p:sld xmlns:a="http://schemas.openxmlformats.org/drawingml/2006/main" xmlns:r="http://schemas.openxmlformats.org/officeDocument/2006/relationships" xmlns:p="http://schemas.openxmlformats.org/presentationml/2006/main">
   <p:cSld>
@@ -4481,6 +4858,174 @@
     <p:extLst>
       <p:ext uri="{BB962C8B-B14F-4D97-AF65-F5344CB8AC3E}">
         <p14:creationId xmlns:p14="http://schemas.microsoft.com/office/powerpoint/2010/main" val="3684547239"/>
+      </p:ext>
+    </p:extLst>
+  </p:cSld>
+  <p:clrMapOvr>
+    <a:masterClrMapping/>
+  </p:clrMapOvr>
+</p:sld>
+</file>
+
+<file path=ppt/slides/slide8.xml><?xml version="1.0" encoding="utf-8"?>
+<p:sld xmlns:a="http://schemas.openxmlformats.org/drawingml/2006/main" xmlns:r="http://schemas.openxmlformats.org/officeDocument/2006/relationships" xmlns:p="http://schemas.openxmlformats.org/presentationml/2006/main">
+  <p:cSld>
+    <p:spTree>
+      <p:nvGrpSpPr>
+        <p:cNvPr id="1" name=""/>
+        <p:cNvGrpSpPr/>
+        <p:nvPr/>
+      </p:nvGrpSpPr>
+      <p:grpSpPr>
+        <a:xfrm>
+          <a:off x="0" y="0"/>
+          <a:ext cx="0" cy="0"/>
+          <a:chOff x="0" y="0"/>
+          <a:chExt cx="0" cy="0"/>
+        </a:xfrm>
+      </p:grpSpPr>
+      <p:sp>
+        <p:nvSpPr>
+          <p:cNvPr id="2" name="标题 1">
+            <a:extLst>
+              <a:ext uri="{FF2B5EF4-FFF2-40B4-BE49-F238E27FC236}">
+                <a16:creationId xmlns:a16="http://schemas.microsoft.com/office/drawing/2014/main" id="{DA884E65-7035-46EA-89E1-E8D6E12A1690}"/>
+              </a:ext>
+            </a:extLst>
+          </p:cNvPr>
+          <p:cNvSpPr>
+            <a:spLocks noGrp="1"/>
+          </p:cNvSpPr>
+          <p:nvPr>
+            <p:ph type="title"/>
+          </p:nvPr>
+        </p:nvSpPr>
+        <p:spPr/>
+        <p:txBody>
+          <a:bodyPr/>
+          <a:lstStyle/>
+          <a:p>
+            <a:endParaRPr lang="zh-CN" altLang="en-US"/>
+          </a:p>
+        </p:txBody>
+      </p:sp>
+      <p:pic>
+        <p:nvPicPr>
+          <p:cNvPr id="5" name="内容占位符 4">
+            <a:extLst>
+              <a:ext uri="{FF2B5EF4-FFF2-40B4-BE49-F238E27FC236}">
+                <a16:creationId xmlns:a16="http://schemas.microsoft.com/office/drawing/2014/main" id="{DAC3CC09-A5A2-4DC7-8E90-F06FF65A752E}"/>
+              </a:ext>
+            </a:extLst>
+          </p:cNvPr>
+          <p:cNvPicPr>
+            <a:picLocks noGrp="1" noChangeAspect="1"/>
+          </p:cNvPicPr>
+          <p:nvPr>
+            <p:ph idx="1"/>
+          </p:nvPr>
+        </p:nvPicPr>
+        <p:blipFill>
+          <a:blip r:embed="rId2"/>
+          <a:stretch>
+            <a:fillRect/>
+          </a:stretch>
+        </p:blipFill>
+        <p:spPr>
+          <a:xfrm>
+            <a:off x="4085944" y="2505660"/>
+            <a:ext cx="4020111" cy="2991267"/>
+          </a:xfrm>
+        </p:spPr>
+      </p:pic>
+    </p:spTree>
+    <p:extLst>
+      <p:ext uri="{BB962C8B-B14F-4D97-AF65-F5344CB8AC3E}">
+        <p14:creationId xmlns:p14="http://schemas.microsoft.com/office/powerpoint/2010/main" val="1588005559"/>
+      </p:ext>
+    </p:extLst>
+  </p:cSld>
+  <p:clrMapOvr>
+    <a:masterClrMapping/>
+  </p:clrMapOvr>
+</p:sld>
+</file>
+
+<file path=ppt/slides/slide9.xml><?xml version="1.0" encoding="utf-8"?>
+<p:sld xmlns:a="http://schemas.openxmlformats.org/drawingml/2006/main" xmlns:r="http://schemas.openxmlformats.org/officeDocument/2006/relationships" xmlns:p="http://schemas.openxmlformats.org/presentationml/2006/main">
+  <p:cSld>
+    <p:spTree>
+      <p:nvGrpSpPr>
+        <p:cNvPr id="1" name=""/>
+        <p:cNvGrpSpPr/>
+        <p:nvPr/>
+      </p:nvGrpSpPr>
+      <p:grpSpPr>
+        <a:xfrm>
+          <a:off x="0" y="0"/>
+          <a:ext cx="0" cy="0"/>
+          <a:chOff x="0" y="0"/>
+          <a:chExt cx="0" cy="0"/>
+        </a:xfrm>
+      </p:grpSpPr>
+      <p:sp>
+        <p:nvSpPr>
+          <p:cNvPr id="2" name="标题 1">
+            <a:extLst>
+              <a:ext uri="{FF2B5EF4-FFF2-40B4-BE49-F238E27FC236}">
+                <a16:creationId xmlns:a16="http://schemas.microsoft.com/office/drawing/2014/main" id="{99D16B94-00D3-4388-9950-9B696646CB45}"/>
+              </a:ext>
+            </a:extLst>
+          </p:cNvPr>
+          <p:cNvSpPr>
+            <a:spLocks noGrp="1"/>
+          </p:cNvSpPr>
+          <p:nvPr>
+            <p:ph type="title"/>
+          </p:nvPr>
+        </p:nvSpPr>
+        <p:spPr/>
+        <p:txBody>
+          <a:bodyPr/>
+          <a:lstStyle/>
+          <a:p>
+            <a:endParaRPr lang="zh-CN" altLang="en-US"/>
+          </a:p>
+        </p:txBody>
+      </p:sp>
+      <p:pic>
+        <p:nvPicPr>
+          <p:cNvPr id="5" name="内容占位符 4">
+            <a:extLst>
+              <a:ext uri="{FF2B5EF4-FFF2-40B4-BE49-F238E27FC236}">
+                <a16:creationId xmlns:a16="http://schemas.microsoft.com/office/drawing/2014/main" id="{97F0544F-B626-4737-B573-B2B57B76D8FD}"/>
+              </a:ext>
+            </a:extLst>
+          </p:cNvPr>
+          <p:cNvPicPr>
+            <a:picLocks noGrp="1" noChangeAspect="1"/>
+          </p:cNvPicPr>
+          <p:nvPr>
+            <p:ph idx="1"/>
+          </p:nvPr>
+        </p:nvPicPr>
+        <p:blipFill>
+          <a:blip r:embed="rId2"/>
+          <a:stretch>
+            <a:fillRect/>
+          </a:stretch>
+        </p:blipFill>
+        <p:spPr>
+          <a:xfrm>
+            <a:off x="3005522" y="1825625"/>
+            <a:ext cx="6180955" cy="4351338"/>
+          </a:xfrm>
+        </p:spPr>
+      </p:pic>
+    </p:spTree>
+    <p:extLst>
+      <p:ext uri="{BB962C8B-B14F-4D97-AF65-F5344CB8AC3E}">
+        <p14:creationId xmlns:p14="http://schemas.microsoft.com/office/powerpoint/2010/main" val="455601117"/>
       </p:ext>
     </p:extLst>
   </p:cSld>
